--- a/CulturalAwarenessArcadePresentation.pptx
+++ b/CulturalAwarenessArcadePresentation.pptx
@@ -7,12 +7,13 @@
   <p:sldIdLst>
     <p:sldId id="256" r:id="rId2"/>
     <p:sldId id="257" r:id="rId3"/>
-    <p:sldId id="258" r:id="rId4"/>
-    <p:sldId id="259" r:id="rId5"/>
-    <p:sldId id="261" r:id="rId6"/>
-    <p:sldId id="263" r:id="rId7"/>
-    <p:sldId id="260" r:id="rId8"/>
-    <p:sldId id="262" r:id="rId9"/>
+    <p:sldId id="264" r:id="rId4"/>
+    <p:sldId id="258" r:id="rId5"/>
+    <p:sldId id="259" r:id="rId6"/>
+    <p:sldId id="261" r:id="rId7"/>
+    <p:sldId id="263" r:id="rId8"/>
+    <p:sldId id="260" r:id="rId9"/>
+    <p:sldId id="262" r:id="rId10"/>
   </p:sldIdLst>
   <p:sldSz cx="9144000" cy="6858000" type="screen4x3"/>
   <p:notesSz cx="6858000" cy="9144000"/>
@@ -111,6 +112,22 @@
       </a:defRPr>
     </a:lvl9pPr>
   </p:defaultTextStyle>
+  <p:extLst>
+    <p:ext uri="{EFAFB233-063F-42B5-8137-9DF3F51BA10A}">
+      <p15:sldGuideLst xmlns:p15="http://schemas.microsoft.com/office/powerpoint/2012/main">
+        <p15:guide id="1" orient="horz" pos="2160">
+          <p15:clr>
+            <a:srgbClr val="A4A3A4"/>
+          </p15:clr>
+        </p15:guide>
+        <p15:guide id="2" pos="2880">
+          <p15:clr>
+            <a:srgbClr val="A4A3A4"/>
+          </p15:clr>
+        </p15:guide>
+      </p15:sldGuideLst>
+    </p:ext>
+  </p:extLst>
 </p:presentation>
 </file>
 
@@ -13777,15 +13794,39 @@
           <a:p>
             <a:r>
               <a:rPr lang="en-US" dirty="0" smtClean="0"/>
-              <a:t>Keegan Nesbitt, Zach Woodward, Kristi Starling, </a:t>
+              <a:t>Keegan </a:t>
             </a:r>
             <a:r>
-              <a:rPr lang="en-US" dirty="0" err="1" smtClean="0"/>
+              <a:rPr lang="en-US" dirty="0" smtClean="0"/>
+              <a:t>Nesbitt</a:t>
+            </a:r>
+            <a:r>
+              <a:rPr lang="en-US" dirty="0"/>
+              <a:t>, </a:t>
+            </a:r>
+            <a:r>
+              <a:rPr lang="en-US" dirty="0" err="1"/>
               <a:t>Sharanya</a:t>
             </a:r>
             <a:r>
+              <a:rPr lang="en-US" dirty="0"/>
+              <a:t> </a:t>
+            </a:r>
+            <a:r>
               <a:rPr lang="en-US" dirty="0" smtClean="0"/>
-              <a:t>, Neil</a:t>
+              <a:t>Shetty, Kristi </a:t>
+            </a:r>
+            <a:r>
+              <a:rPr lang="en-US" dirty="0" smtClean="0"/>
+              <a:t>Starling</a:t>
+            </a:r>
+            <a:r>
+              <a:rPr lang="en-US" dirty="0" smtClean="0"/>
+              <a:t>, </a:t>
+            </a:r>
+            <a:r>
+              <a:rPr lang="en-US" dirty="0"/>
+              <a:t>Neil Wang, Zach Woodward</a:t>
             </a:r>
             <a:endParaRPr lang="en-US" dirty="0"/>
           </a:p>
@@ -13861,7 +13902,17 @@
           <a:p>
             <a:r>
               <a:rPr lang="en-US" dirty="0" smtClean="0"/>
-              <a:t>12 games</a:t>
+              <a:t>Background</a:t>
+            </a:r>
+          </a:p>
+          <a:p>
+            <a:r>
+              <a:rPr lang="en-US" dirty="0" smtClean="0"/>
+              <a:t>12 </a:t>
+            </a:r>
+            <a:r>
+              <a:rPr lang="en-US" dirty="0" smtClean="0"/>
+              <a:t>games</a:t>
             </a:r>
           </a:p>
           <a:p>
@@ -13929,6 +13980,140 @@
 </file>
 
 <file path=ppt/slides/slide3.xml><?xml version="1.0" encoding="utf-8"?>
+<p:sld xmlns:a="http://schemas.openxmlformats.org/drawingml/2006/main" xmlns:r="http://schemas.openxmlformats.org/officeDocument/2006/relationships" xmlns:p="http://schemas.openxmlformats.org/presentationml/2006/main">
+  <p:cSld>
+    <p:spTree>
+      <p:nvGrpSpPr>
+        <p:cNvPr id="1" name=""/>
+        <p:cNvGrpSpPr/>
+        <p:nvPr/>
+      </p:nvGrpSpPr>
+      <p:grpSpPr>
+        <a:xfrm>
+          <a:off x="0" y="0"/>
+          <a:ext cx="0" cy="0"/>
+          <a:chOff x="0" y="0"/>
+          <a:chExt cx="0" cy="0"/>
+        </a:xfrm>
+      </p:grpSpPr>
+      <p:sp>
+        <p:nvSpPr>
+          <p:cNvPr id="2" name="Title 1"/>
+          <p:cNvSpPr>
+            <a:spLocks noGrp="1"/>
+          </p:cNvSpPr>
+          <p:nvPr>
+            <p:ph type="title"/>
+          </p:nvPr>
+        </p:nvSpPr>
+        <p:spPr/>
+        <p:txBody>
+          <a:bodyPr/>
+          <a:lstStyle/>
+          <a:p>
+            <a:r>
+              <a:rPr lang="en-US" dirty="0" smtClean="0"/>
+              <a:t>Overview</a:t>
+            </a:r>
+            <a:endParaRPr lang="en-US" dirty="0"/>
+          </a:p>
+        </p:txBody>
+      </p:sp>
+      <p:sp>
+        <p:nvSpPr>
+          <p:cNvPr id="3" name="Content Placeholder 2"/>
+          <p:cNvSpPr>
+            <a:spLocks noGrp="1"/>
+          </p:cNvSpPr>
+          <p:nvPr>
+            <p:ph idx="1"/>
+          </p:nvPr>
+        </p:nvSpPr>
+        <p:spPr/>
+        <p:txBody>
+          <a:bodyPr/>
+          <a:lstStyle/>
+          <a:p>
+            <a:r>
+              <a:rPr lang="en-US" dirty="0" smtClean="0"/>
+              <a:t>Background</a:t>
+            </a:r>
+          </a:p>
+          <a:p>
+            <a:r>
+              <a:rPr lang="en-US" dirty="0" smtClean="0"/>
+              <a:t>12 </a:t>
+            </a:r>
+            <a:r>
+              <a:rPr lang="en-US" dirty="0" smtClean="0"/>
+              <a:t>games</a:t>
+            </a:r>
+          </a:p>
+          <a:p>
+            <a:r>
+              <a:rPr lang="en-US" dirty="0" smtClean="0"/>
+              <a:t>Each game represents a country</a:t>
+            </a:r>
+          </a:p>
+          <a:p>
+            <a:r>
+              <a:rPr lang="en-US" dirty="0" smtClean="0"/>
+              <a:t>WOW game</a:t>
+            </a:r>
+          </a:p>
+          <a:p>
+            <a:r>
+              <a:rPr lang="en-US" dirty="0" smtClean="0"/>
+              <a:t>Team bonding</a:t>
+            </a:r>
+            <a:endParaRPr lang="en-US" dirty="0"/>
+          </a:p>
+        </p:txBody>
+      </p:sp>
+      <p:pic>
+        <p:nvPicPr>
+          <p:cNvPr id="6" name="Picture 5"/>
+          <p:cNvPicPr>
+            <a:picLocks noChangeAspect="1"/>
+          </p:cNvPicPr>
+          <p:nvPr/>
+        </p:nvPicPr>
+        <p:blipFill>
+          <a:blip r:embed="rId2">
+            <a:extLst>
+              <a:ext uri="{28A0092B-C50C-407E-A947-70E740481C1C}">
+                <a14:useLocalDpi xmlns:a14="http://schemas.microsoft.com/office/drawing/2010/main" val="0"/>
+              </a:ext>
+            </a:extLst>
+          </a:blip>
+          <a:stretch>
+            <a:fillRect/>
+          </a:stretch>
+        </p:blipFill>
+        <p:spPr>
+          <a:xfrm>
+            <a:off x="5562600" y="3505200"/>
+            <a:ext cx="2758197" cy="2592705"/>
+          </a:xfrm>
+          <a:prstGeom prst="rect">
+            <a:avLst/>
+          </a:prstGeom>
+        </p:spPr>
+      </p:pic>
+    </p:spTree>
+    <p:extLst>
+      <p:ext uri="{BB962C8B-B14F-4D97-AF65-F5344CB8AC3E}">
+        <p14:creationId xmlns:p14="http://schemas.microsoft.com/office/powerpoint/2010/main" val="2749687929"/>
+      </p:ext>
+    </p:extLst>
+  </p:cSld>
+  <p:clrMapOvr>
+    <a:masterClrMapping/>
+  </p:clrMapOvr>
+</p:sld>
+</file>
+
+<file path=ppt/slides/slide4.xml><?xml version="1.0" encoding="utf-8"?>
 <p:sld xmlns:a="http://schemas.openxmlformats.org/drawingml/2006/main" xmlns:r="http://schemas.openxmlformats.org/officeDocument/2006/relationships" xmlns:p="http://schemas.openxmlformats.org/presentationml/2006/main">
   <p:cSld>
     <p:spTree>
@@ -14179,7 +14364,7 @@
 </p:sld>
 </file>
 
-<file path=ppt/slides/slide4.xml><?xml version="1.0" encoding="utf-8"?>
+<file path=ppt/slides/slide5.xml><?xml version="1.0" encoding="utf-8"?>
 <p:sld xmlns:a="http://schemas.openxmlformats.org/drawingml/2006/main" xmlns:r="http://schemas.openxmlformats.org/officeDocument/2006/relationships" xmlns:p="http://schemas.openxmlformats.org/presentationml/2006/main">
   <p:cSld>
     <p:spTree>
@@ -14254,7 +14439,7 @@
 </p:sld>
 </file>
 
-<file path=ppt/slides/slide5.xml><?xml version="1.0" encoding="utf-8"?>
+<file path=ppt/slides/slide6.xml><?xml version="1.0" encoding="utf-8"?>
 <p:sld xmlns:a="http://schemas.openxmlformats.org/drawingml/2006/main" xmlns:r="http://schemas.openxmlformats.org/officeDocument/2006/relationships" xmlns:p="http://schemas.openxmlformats.org/presentationml/2006/main">
   <p:cSld>
     <p:spTree>
@@ -14535,7 +14720,7 @@
 </p:sld>
 </file>
 
-<file path=ppt/slides/slide6.xml><?xml version="1.0" encoding="utf-8"?>
+<file path=ppt/slides/slide7.xml><?xml version="1.0" encoding="utf-8"?>
 <p:sld xmlns:a="http://schemas.openxmlformats.org/drawingml/2006/main" xmlns:r="http://schemas.openxmlformats.org/officeDocument/2006/relationships" xmlns:p="http://schemas.openxmlformats.org/presentationml/2006/main">
   <p:cSld>
     <p:spTree>
@@ -14617,7 +14802,7 @@
 </p:sld>
 </file>
 
-<file path=ppt/slides/slide7.xml><?xml version="1.0" encoding="utf-8"?>
+<file path=ppt/slides/slide8.xml><?xml version="1.0" encoding="utf-8"?>
 <p:sld xmlns:a="http://schemas.openxmlformats.org/drawingml/2006/main" xmlns:r="http://schemas.openxmlformats.org/officeDocument/2006/relationships" xmlns:p="http://schemas.openxmlformats.org/presentationml/2006/main">
   <p:cSld>
     <p:spTree>
@@ -14787,7 +14972,7 @@
 </p:sld>
 </file>
 
-<file path=ppt/slides/slide8.xml><?xml version="1.0" encoding="utf-8"?>
+<file path=ppt/slides/slide9.xml><?xml version="1.0" encoding="utf-8"?>
 <p:sld xmlns:a="http://schemas.openxmlformats.org/drawingml/2006/main" xmlns:r="http://schemas.openxmlformats.org/officeDocument/2006/relationships" xmlns:p="http://schemas.openxmlformats.org/presentationml/2006/main">
   <p:cSld>
     <p:spTree>
